--- a/document/FreyaLib完全说明.pptx
+++ b/document/FreyaLib完全说明.pptx
@@ -205,7 +205,7 @@
           <a:p>
             <a:fld id="{825CBE85-1F3E-49F3-97FB-BEDA3AFF5858}" type="datetimeFigureOut">
               <a:rPr lang="zh-CN" altLang="en-US" smtClean="0"/>
-              <a:t>16/02/28</a:t>
+              <a:t>2016/2/29</a:t>
             </a:fld>
             <a:endParaRPr lang="zh-CN" altLang="en-US"/>
           </a:p>
@@ -1195,7 +1195,7 @@
             <a:fld id="{B61BEF0D-F0BB-DE4B-95CE-6DB70DBA9567}" type="datetimeFigureOut">
               <a:rPr lang="en-US"/>
               <a:pPr/>
-              <a:t>2/28/2016</a:t>
+              <a:t>2/29/2016</a:t>
             </a:fld>
             <a:endParaRPr lang="en-US"/>
           </a:p>
@@ -1443,7 +1443,7 @@
             <a:fld id="{B61BEF0D-F0BB-DE4B-95CE-6DB70DBA9567}" type="datetimeFigureOut">
               <a:rPr lang="en-US"/>
               <a:pPr/>
-              <a:t>2/28/2016</a:t>
+              <a:t>2/29/2016</a:t>
             </a:fld>
             <a:endParaRPr lang="en-US"/>
           </a:p>
@@ -1754,7 +1754,7 @@
             <a:fld id="{B61BEF0D-F0BB-DE4B-95CE-6DB70DBA9567}" type="datetimeFigureOut">
               <a:rPr lang="en-US"/>
               <a:pPr/>
-              <a:t>2/28/2016</a:t>
+              <a:t>2/29/2016</a:t>
             </a:fld>
             <a:endParaRPr lang="en-US"/>
           </a:p>
@@ -2092,7 +2092,7 @@
             <a:fld id="{B61BEF0D-F0BB-DE4B-95CE-6DB70DBA9567}" type="datetimeFigureOut">
               <a:rPr lang="en-US"/>
               <a:pPr/>
-              <a:t>2/28/2016</a:t>
+              <a:t>2/29/2016</a:t>
             </a:fld>
             <a:endParaRPr lang="en-US"/>
           </a:p>
@@ -2403,7 +2403,7 @@
             <a:fld id="{B61BEF0D-F0BB-DE4B-95CE-6DB70DBA9567}" type="datetimeFigureOut">
               <a:rPr lang="en-US"/>
               <a:pPr/>
-              <a:t>2/28/2016</a:t>
+              <a:t>2/29/2016</a:t>
             </a:fld>
             <a:endParaRPr lang="en-US"/>
           </a:p>
@@ -2793,7 +2793,7 @@
             <a:fld id="{B61BEF0D-F0BB-DE4B-95CE-6DB70DBA9567}" type="datetimeFigureOut">
               <a:rPr lang="en-US"/>
               <a:pPr/>
-              <a:t>2/28/2016</a:t>
+              <a:t>2/29/2016</a:t>
             </a:fld>
             <a:endParaRPr lang="en-US"/>
           </a:p>
@@ -2959,7 +2959,7 @@
           <a:p>
             <a:fld id="{55C6B4A9-1611-4792-9094-5F34BCA07E0B}" type="datetimeFigureOut">
               <a:rPr lang="en-US"/>
-              <a:t>2/28/2016</a:t>
+              <a:t>2/29/2016</a:t>
             </a:fld>
             <a:endParaRPr lang="en-US"/>
           </a:p>
@@ -3135,7 +3135,7 @@
             <a:fld id="{B61BEF0D-F0BB-DE4B-95CE-6DB70DBA9567}" type="datetimeFigureOut">
               <a:rPr lang="en-US"/>
               <a:pPr/>
-              <a:t>2/28/2016</a:t>
+              <a:t>2/29/2016</a:t>
             </a:fld>
             <a:endParaRPr lang="en-US"/>
           </a:p>
@@ -3308,7 +3308,7 @@
             <a:fld id="{B61BEF0D-F0BB-DE4B-95CE-6DB70DBA9567}" type="datetimeFigureOut">
               <a:rPr lang="en-US"/>
               <a:pPr/>
-              <a:t>2/28/2016</a:t>
+              <a:t>2/29/2016</a:t>
             </a:fld>
             <a:endParaRPr lang="en-US"/>
           </a:p>
@@ -3552,7 +3552,7 @@
             <a:fld id="{B61BEF0D-F0BB-DE4B-95CE-6DB70DBA9567}" type="datetimeFigureOut">
               <a:rPr lang="en-US"/>
               <a:pPr/>
-              <a:t>2/28/2016</a:t>
+              <a:t>2/29/2016</a:t>
             </a:fld>
             <a:endParaRPr lang="en-US"/>
           </a:p>
@@ -3780,7 +3780,7 @@
           <a:p>
             <a:fld id="{EB712588-04B1-427B-82EE-E8DB90309F08}" type="datetimeFigureOut">
               <a:rPr lang="en-US"/>
-              <a:t>2/28/2016</a:t>
+              <a:t>2/29/2016</a:t>
             </a:fld>
             <a:endParaRPr lang="en-US"/>
           </a:p>
@@ -4150,7 +4150,7 @@
             <a:fld id="{B61BEF0D-F0BB-DE4B-95CE-6DB70DBA9567}" type="datetimeFigureOut">
               <a:rPr lang="en-US"/>
               <a:pPr/>
-              <a:t>2/28/2016</a:t>
+              <a:t>2/29/2016</a:t>
             </a:fld>
             <a:endParaRPr lang="en-US"/>
           </a:p>
@@ -4270,7 +4270,7 @@
             <a:fld id="{B61BEF0D-F0BB-DE4B-95CE-6DB70DBA9567}" type="datetimeFigureOut">
               <a:rPr lang="en-US"/>
               <a:pPr/>
-              <a:t>2/28/2016</a:t>
+              <a:t>2/29/2016</a:t>
             </a:fld>
             <a:endParaRPr lang="en-US"/>
           </a:p>
@@ -4362,7 +4362,7 @@
             <a:fld id="{B61BEF0D-F0BB-DE4B-95CE-6DB70DBA9567}" type="datetimeFigureOut">
               <a:rPr lang="en-US"/>
               <a:pPr/>
-              <a:t>2/28/2016</a:t>
+              <a:t>2/29/2016</a:t>
             </a:fld>
             <a:endParaRPr lang="en-US"/>
           </a:p>
@@ -4613,7 +4613,7 @@
           <a:p>
             <a:fld id="{42A54C80-263E-416B-A8E0-580EDEADCBDC}" type="datetimeFigureOut">
               <a:rPr lang="en-US"/>
-              <a:t>2/28/2016</a:t>
+              <a:t>2/29/2016</a:t>
             </a:fld>
             <a:endParaRPr lang="en-US"/>
           </a:p>
@@ -4872,7 +4872,7 @@
             <a:fld id="{B61BEF0D-F0BB-DE4B-95CE-6DB70DBA9567}" type="datetimeFigureOut">
               <a:rPr lang="en-US"/>
               <a:pPr/>
-              <a:t>2/28/2016</a:t>
+              <a:t>2/29/2016</a:t>
             </a:fld>
             <a:endParaRPr lang="en-US"/>
           </a:p>
@@ -5612,7 +5612,7 @@
             <a:fld id="{B61BEF0D-F0BB-DE4B-95CE-6DB70DBA9567}" type="datetimeFigureOut">
               <a:rPr lang="en-US"/>
               <a:pPr/>
-              <a:t>2/28/2016</a:t>
+              <a:t>2/29/2016</a:t>
             </a:fld>
             <a:endParaRPr lang="en-US"/>
           </a:p>
@@ -6955,6 +6955,110 @@
           </a:p>
         </p:txBody>
       </p:sp>
+      <p:sp>
+        <p:nvSpPr>
+          <p:cNvPr id="7" name="矩形 6"/>
+          <p:cNvSpPr/>
+          <p:nvPr/>
+        </p:nvSpPr>
+        <p:spPr>
+          <a:xfrm>
+            <a:off x="677334" y="1930400"/>
+            <a:ext cx="4094129" cy="3827849"/>
+          </a:xfrm>
+          <a:prstGeom prst="rect">
+            <a:avLst/>
+          </a:prstGeom>
+          <a:noFill/>
+          <a:ln w="28575" cap="flat" cmpd="sng" algn="ctr">
+            <a:solidFill>
+              <a:schemeClr val="accent4"/>
+            </a:solidFill>
+            <a:prstDash val="solid"/>
+            <a:round/>
+            <a:headEnd type="none" w="med" len="med"/>
+            <a:tailEnd type="none" w="med" len="med"/>
+          </a:ln>
+        </p:spPr>
+        <p:style>
+          <a:lnRef idx="0">
+            <a:scrgbClr r="0" g="0" b="0"/>
+          </a:lnRef>
+          <a:fillRef idx="0">
+            <a:scrgbClr r="0" g="0" b="0"/>
+          </a:fillRef>
+          <a:effectRef idx="0">
+            <a:scrgbClr r="0" g="0" b="0"/>
+          </a:effectRef>
+          <a:fontRef idx="minor">
+            <a:schemeClr val="accent4"/>
+          </a:fontRef>
+        </p:style>
+        <p:txBody>
+          <a:bodyPr rtlCol="0" anchor="t" anchorCtr="0"/>
+          <a:lstStyle/>
+          <a:p>
+            <a:pPr algn="ctr"/>
+            <a:r>
+              <a:rPr lang="zh-CN" altLang="en-US"/>
+              <a:t>主体部分</a:t>
+            </a:r>
+            <a:endParaRPr lang="zh-CN" altLang="en-US"/>
+          </a:p>
+        </p:txBody>
+      </p:sp>
+      <p:sp>
+        <p:nvSpPr>
+          <p:cNvPr id="19" name="矩形 18"/>
+          <p:cNvSpPr/>
+          <p:nvPr/>
+        </p:nvSpPr>
+        <p:spPr>
+          <a:xfrm>
+            <a:off x="4864647" y="1930401"/>
+            <a:ext cx="4409355" cy="2918358"/>
+          </a:xfrm>
+          <a:prstGeom prst="rect">
+            <a:avLst/>
+          </a:prstGeom>
+          <a:noFill/>
+          <a:ln w="28575" cap="flat" cmpd="sng" algn="ctr">
+            <a:solidFill>
+              <a:schemeClr val="accent4"/>
+            </a:solidFill>
+            <a:prstDash val="solid"/>
+            <a:round/>
+            <a:headEnd type="none" w="med" len="med"/>
+            <a:tailEnd type="none" w="med" len="med"/>
+          </a:ln>
+        </p:spPr>
+        <p:style>
+          <a:lnRef idx="0">
+            <a:scrgbClr r="0" g="0" b="0"/>
+          </a:lnRef>
+          <a:fillRef idx="0">
+            <a:scrgbClr r="0" g="0" b="0"/>
+          </a:fillRef>
+          <a:effectRef idx="0">
+            <a:scrgbClr r="0" g="0" b="0"/>
+          </a:effectRef>
+          <a:fontRef idx="minor">
+            <a:schemeClr val="accent4"/>
+          </a:fontRef>
+        </p:style>
+        <p:txBody>
+          <a:bodyPr rtlCol="0" anchor="t" anchorCtr="0"/>
+          <a:lstStyle/>
+          <a:p>
+            <a:pPr algn="ctr"/>
+            <a:r>
+              <a:rPr lang="zh-CN" altLang="en-US"/>
+              <a:t>插件平台</a:t>
+            </a:r>
+            <a:endParaRPr lang="zh-CN" altLang="en-US"/>
+          </a:p>
+        </p:txBody>
+      </p:sp>
     </p:spTree>
     <p:extLst>
       <p:ext uri="{BB962C8B-B14F-4D97-AF65-F5344CB8AC3E}">
@@ -8742,7 +8846,6 @@
               <a:rPr lang="zh-CN" altLang="en-US"/>
               <a:t>完</a:t>
             </a:r>
-            <a:endParaRPr lang="zh-CN" altLang="en-US"/>
           </a:p>
         </p:txBody>
       </p:sp>
@@ -8765,7 +8868,6 @@
               <a:rPr lang="zh-CN" altLang="en-US"/>
               <a:t>未尽之处，详见源码</a:t>
             </a:r>
-            <a:endParaRPr lang="zh-CN" altLang="en-US"/>
           </a:p>
         </p:txBody>
       </p:sp>

--- a/document/FreyaLib完全说明.pptx
+++ b/document/FreyaLib完全说明.pptx
@@ -6974,7 +6974,7 @@
             <a:solidFill>
               <a:schemeClr val="accent4"/>
             </a:solidFill>
-            <a:prstDash val="solid"/>
+            <a:prstDash val="dash"/>
             <a:round/>
             <a:headEnd type="none" w="med" len="med"/>
             <a:tailEnd type="none" w="med" len="med"/>
@@ -7003,7 +7003,6 @@
               <a:rPr lang="zh-CN" altLang="en-US"/>
               <a:t>主体部分</a:t>
             </a:r>
-            <a:endParaRPr lang="zh-CN" altLang="en-US"/>
           </a:p>
         </p:txBody>
       </p:sp>
@@ -7026,7 +7025,7 @@
             <a:solidFill>
               <a:schemeClr val="accent4"/>
             </a:solidFill>
-            <a:prstDash val="solid"/>
+            <a:prstDash val="dash"/>
             <a:round/>
             <a:headEnd type="none" w="med" len="med"/>
             <a:tailEnd type="none" w="med" len="med"/>
@@ -7055,7 +7054,6 @@
               <a:rPr lang="zh-CN" altLang="en-US"/>
               <a:t>插件平台</a:t>
             </a:r>
-            <a:endParaRPr lang="zh-CN" altLang="en-US"/>
           </a:p>
         </p:txBody>
       </p:sp>
